--- a/PPT/2. React Hook/4. 컴포넌트.pptx
+++ b/PPT/2. React Hook/4. 컴포넌트.pptx
@@ -5,7 +5,14 @@
     <p:sldMasterId id="2147483648" r:id="rId1"/>
   </p:sldMasterIdLst>
   <p:sldIdLst>
-    <p:sldId id="256" r:id="rId2"/>
+    <p:sldId id="257" r:id="rId2"/>
+    <p:sldId id="258" r:id="rId3"/>
+    <p:sldId id="259" r:id="rId4"/>
+    <p:sldId id="260" r:id="rId5"/>
+    <p:sldId id="261" r:id="rId6"/>
+    <p:sldId id="262" r:id="rId7"/>
+    <p:sldId id="263" r:id="rId8"/>
+    <p:sldId id="264" r:id="rId9"/>
   </p:sldIdLst>
   <p:sldSz cx="12192000" cy="6858000"/>
   <p:notesSz cx="6858000" cy="9144000"/>
@@ -104,6 +111,11 @@
       </a:defRPr>
     </a:lvl9pPr>
   </p:defaultTextStyle>
+  <p:extLst>
+    <p:ext uri="{EFAFB233-063F-42B5-8137-9DF3F51BA10A}">
+      <p15:sldGuideLst xmlns:p15="http://schemas.microsoft.com/office/powerpoint/2012/main"/>
+    </p:ext>
+  </p:extLst>
 </p:presentation>
 </file>
 
@@ -3326,15 +3338,15 @@
           <p:cNvPr id="2" name="제목 1">
             <a:extLst>
               <a:ext uri="{FF2B5EF4-FFF2-40B4-BE49-F238E27FC236}">
-                <a16:creationId xmlns:a16="http://schemas.microsoft.com/office/drawing/2014/main" id="{F982012C-D52B-4A3A-89D5-F0493DDFFDC0}"/>
-              </a:ext>
-            </a:extLst>
-          </p:cNvPr>
-          <p:cNvSpPr>
-            <a:spLocks noGrp="1"/>
-          </p:cNvSpPr>
-          <p:nvPr>
-            <p:ph type="ctrTitle"/>
+                <a16:creationId xmlns:a16="http://schemas.microsoft.com/office/drawing/2014/main" id="{E029417D-5193-43C2-8460-5385F660C9B8}"/>
+              </a:ext>
+            </a:extLst>
+          </p:cNvPr>
+          <p:cNvSpPr>
+            <a:spLocks noGrp="1"/>
+          </p:cNvSpPr>
+          <p:nvPr>
+            <p:ph type="title"/>
           </p:nvPr>
         </p:nvSpPr>
         <p:spPr/>
@@ -3342,24 +3354,31 @@
           <a:bodyPr/>
           <a:lstStyle/>
           <a:p>
-            <a:endParaRPr lang="ko-KR" altLang="en-US"/>
-          </a:p>
-        </p:txBody>
-      </p:sp>
-      <p:sp>
-        <p:nvSpPr>
-          <p:cNvPr id="3" name="부제목 2">
-            <a:extLst>
-              <a:ext uri="{FF2B5EF4-FFF2-40B4-BE49-F238E27FC236}">
-                <a16:creationId xmlns:a16="http://schemas.microsoft.com/office/drawing/2014/main" id="{4CFAB762-7E37-4507-931B-3042EBE4C92D}"/>
-              </a:ext>
-            </a:extLst>
-          </p:cNvPr>
-          <p:cNvSpPr>
-            <a:spLocks noGrp="1"/>
-          </p:cNvSpPr>
-          <p:nvPr>
-            <p:ph type="subTitle" idx="1"/>
+            <a:r>
+              <a:rPr lang="en-US" altLang="ko-KR" dirty="0"/>
+              <a:t>React </a:t>
+            </a:r>
+            <a:r>
+              <a:rPr lang="ko-KR" altLang="en-US" dirty="0"/>
+              <a:t>에서 중요한 기술</a:t>
+            </a:r>
+          </a:p>
+        </p:txBody>
+      </p:sp>
+      <p:sp>
+        <p:nvSpPr>
+          <p:cNvPr id="3" name="내용 개체 틀 2">
+            <a:extLst>
+              <a:ext uri="{FF2B5EF4-FFF2-40B4-BE49-F238E27FC236}">
+                <a16:creationId xmlns:a16="http://schemas.microsoft.com/office/drawing/2014/main" id="{D3EB50B9-7559-4840-A2B2-6CA338A5DD59}"/>
+              </a:ext>
+            </a:extLst>
+          </p:cNvPr>
+          <p:cNvSpPr>
+            <a:spLocks noGrp="1"/>
+          </p:cNvSpPr>
+          <p:nvPr>
+            <p:ph idx="1"/>
           </p:nvPr>
         </p:nvSpPr>
         <p:spPr/>
@@ -3367,14 +3386,1713 @@
           <a:bodyPr/>
           <a:lstStyle/>
           <a:p>
-            <a:endParaRPr lang="ko-KR" altLang="en-US"/>
+            <a:r>
+              <a:rPr lang="en-US" altLang="ko-KR" dirty="0"/>
+              <a:t>Component</a:t>
+            </a:r>
+          </a:p>
+          <a:p>
+            <a:r>
+              <a:rPr lang="en-US" altLang="ko-KR" dirty="0"/>
+              <a:t>Hook</a:t>
+            </a:r>
+            <a:endParaRPr lang="ko-KR" altLang="en-US" dirty="0"/>
           </a:p>
         </p:txBody>
       </p:sp>
     </p:spTree>
     <p:extLst>
       <p:ext uri="{BB962C8B-B14F-4D97-AF65-F5344CB8AC3E}">
-        <p14:creationId xmlns:p14="http://schemas.microsoft.com/office/powerpoint/2010/main" val="2227731801"/>
+        <p14:creationId xmlns:p14="http://schemas.microsoft.com/office/powerpoint/2010/main" val="3078991848"/>
+      </p:ext>
+    </p:extLst>
+  </p:cSld>
+  <p:clrMapOvr>
+    <a:masterClrMapping/>
+  </p:clrMapOvr>
+</p:sld>
+</file>
+
+<file path=ppt/slides/slide2.xml><?xml version="1.0" encoding="utf-8"?>
+<p:sld xmlns:a="http://schemas.openxmlformats.org/drawingml/2006/main" xmlns:r="http://schemas.openxmlformats.org/officeDocument/2006/relationships" xmlns:p="http://schemas.openxmlformats.org/presentationml/2006/main">
+  <p:cSld>
+    <p:spTree>
+      <p:nvGrpSpPr>
+        <p:cNvPr id="1" name=""/>
+        <p:cNvGrpSpPr/>
+        <p:nvPr/>
+      </p:nvGrpSpPr>
+      <p:grpSpPr>
+        <a:xfrm>
+          <a:off x="0" y="0"/>
+          <a:ext cx="0" cy="0"/>
+          <a:chOff x="0" y="0"/>
+          <a:chExt cx="0" cy="0"/>
+        </a:xfrm>
+      </p:grpSpPr>
+      <p:sp>
+        <p:nvSpPr>
+          <p:cNvPr id="2" name="제목 1">
+            <a:extLst>
+              <a:ext uri="{FF2B5EF4-FFF2-40B4-BE49-F238E27FC236}">
+                <a16:creationId xmlns:a16="http://schemas.microsoft.com/office/drawing/2014/main" id="{266FF328-E120-40DA-A96C-F8710AA8A1F9}"/>
+              </a:ext>
+            </a:extLst>
+          </p:cNvPr>
+          <p:cNvSpPr>
+            <a:spLocks noGrp="1"/>
+          </p:cNvSpPr>
+          <p:nvPr>
+            <p:ph type="title"/>
+          </p:nvPr>
+        </p:nvSpPr>
+        <p:spPr/>
+        <p:txBody>
+          <a:bodyPr/>
+          <a:lstStyle/>
+          <a:p>
+            <a:r>
+              <a:rPr lang="ko-KR" altLang="en-US" dirty="0"/>
+              <a:t>컴포넌트</a:t>
+            </a:r>
+            <a:r>
+              <a:rPr lang="en-US" altLang="ko-KR" dirty="0"/>
+              <a:t>(Component)</a:t>
+            </a:r>
+            <a:endParaRPr lang="ko-KR" altLang="en-US" dirty="0"/>
+          </a:p>
+        </p:txBody>
+      </p:sp>
+      <p:sp>
+        <p:nvSpPr>
+          <p:cNvPr id="3" name="내용 개체 틀 2">
+            <a:extLst>
+              <a:ext uri="{FF2B5EF4-FFF2-40B4-BE49-F238E27FC236}">
+                <a16:creationId xmlns:a16="http://schemas.microsoft.com/office/drawing/2014/main" id="{D21BF739-966C-4EFD-97B2-5F3A772B6D5F}"/>
+              </a:ext>
+            </a:extLst>
+          </p:cNvPr>
+          <p:cNvSpPr>
+            <a:spLocks noGrp="1"/>
+          </p:cNvSpPr>
+          <p:nvPr>
+            <p:ph idx="1"/>
+          </p:nvPr>
+        </p:nvSpPr>
+        <p:spPr>
+          <a:xfrm>
+            <a:off x="838200" y="3322377"/>
+            <a:ext cx="10515600" cy="1856210"/>
+          </a:xfrm>
+        </p:spPr>
+        <p:txBody>
+          <a:bodyPr/>
+          <a:lstStyle/>
+          <a:p>
+            <a:r>
+              <a:rPr lang="ko-KR" altLang="en-US" dirty="0"/>
+              <a:t>웹페이지의 한 부분</a:t>
+            </a:r>
+          </a:p>
+        </p:txBody>
+      </p:sp>
+      <p:pic>
+        <p:nvPicPr>
+          <p:cNvPr id="7" name="그림 6">
+            <a:extLst>
+              <a:ext uri="{FF2B5EF4-FFF2-40B4-BE49-F238E27FC236}">
+                <a16:creationId xmlns:a16="http://schemas.microsoft.com/office/drawing/2014/main" id="{04623712-1850-4992-A4E9-2BE7C1CC1B2D}"/>
+              </a:ext>
+            </a:extLst>
+          </p:cNvPr>
+          <p:cNvPicPr>
+            <a:picLocks noChangeAspect="1"/>
+          </p:cNvPicPr>
+          <p:nvPr/>
+        </p:nvPicPr>
+        <p:blipFill>
+          <a:blip r:embed="rId2"/>
+          <a:stretch>
+            <a:fillRect/>
+          </a:stretch>
+        </p:blipFill>
+        <p:spPr>
+          <a:xfrm>
+            <a:off x="1314450" y="2235070"/>
+            <a:ext cx="4781550" cy="876300"/>
+          </a:xfrm>
+          <a:prstGeom prst="rect">
+            <a:avLst/>
+          </a:prstGeom>
+        </p:spPr>
+      </p:pic>
+      <p:pic>
+        <p:nvPicPr>
+          <p:cNvPr id="9" name="그림 8">
+            <a:extLst>
+              <a:ext uri="{FF2B5EF4-FFF2-40B4-BE49-F238E27FC236}">
+                <a16:creationId xmlns:a16="http://schemas.microsoft.com/office/drawing/2014/main" id="{D8E1F6AB-1AEE-4997-8978-0A4F928C17D1}"/>
+              </a:ext>
+            </a:extLst>
+          </p:cNvPr>
+          <p:cNvPicPr>
+            <a:picLocks noChangeAspect="1"/>
+          </p:cNvPicPr>
+          <p:nvPr/>
+        </p:nvPicPr>
+        <p:blipFill>
+          <a:blip r:embed="rId3"/>
+          <a:stretch>
+            <a:fillRect/>
+          </a:stretch>
+        </p:blipFill>
+        <p:spPr>
+          <a:xfrm>
+            <a:off x="1364213" y="1802946"/>
+            <a:ext cx="1162050" cy="371475"/>
+          </a:xfrm>
+          <a:prstGeom prst="rect">
+            <a:avLst/>
+          </a:prstGeom>
+        </p:spPr>
+      </p:pic>
+    </p:spTree>
+    <p:extLst>
+      <p:ext uri="{BB962C8B-B14F-4D97-AF65-F5344CB8AC3E}">
+        <p14:creationId xmlns:p14="http://schemas.microsoft.com/office/powerpoint/2010/main" val="3321908394"/>
+      </p:ext>
+    </p:extLst>
+  </p:cSld>
+  <p:clrMapOvr>
+    <a:masterClrMapping/>
+  </p:clrMapOvr>
+</p:sld>
+</file>
+
+<file path=ppt/slides/slide3.xml><?xml version="1.0" encoding="utf-8"?>
+<p:sld xmlns:a="http://schemas.openxmlformats.org/drawingml/2006/main" xmlns:r="http://schemas.openxmlformats.org/officeDocument/2006/relationships" xmlns:p="http://schemas.openxmlformats.org/presentationml/2006/main">
+  <p:cSld>
+    <p:spTree>
+      <p:nvGrpSpPr>
+        <p:cNvPr id="1" name=""/>
+        <p:cNvGrpSpPr/>
+        <p:nvPr/>
+      </p:nvGrpSpPr>
+      <p:grpSpPr>
+        <a:xfrm>
+          <a:off x="0" y="0"/>
+          <a:ext cx="0" cy="0"/>
+          <a:chOff x="0" y="0"/>
+          <a:chExt cx="0" cy="0"/>
+        </a:xfrm>
+      </p:grpSpPr>
+      <p:sp>
+        <p:nvSpPr>
+          <p:cNvPr id="3" name="Rectangle 4">
+            <a:extLst>
+              <a:ext uri="{FF2B5EF4-FFF2-40B4-BE49-F238E27FC236}">
+                <a16:creationId xmlns:a16="http://schemas.microsoft.com/office/drawing/2014/main" id="{2951A239-BBB4-4F39-949F-031E893456DF}"/>
+              </a:ext>
+            </a:extLst>
+          </p:cNvPr>
+          <p:cNvSpPr>
+            <a:spLocks noChangeArrowheads="1"/>
+          </p:cNvSpPr>
+          <p:nvPr/>
+        </p:nvSpPr>
+        <p:spPr bwMode="auto">
+          <a:xfrm>
+            <a:off x="0" y="0"/>
+            <a:ext cx="12192000" cy="457200"/>
+          </a:xfrm>
+          <a:prstGeom prst="rect">
+            <a:avLst/>
+          </a:prstGeom>
+          <a:noFill/>
+          <a:ln>
+            <a:noFill/>
+          </a:ln>
+          <a:effectLst/>
+          <a:extLst>
+            <a:ext uri="{909E8E84-426E-40DD-AFC4-6F175D3DCCD1}">
+              <a14:hiddenFill xmlns:a14="http://schemas.microsoft.com/office/drawing/2010/main">
+                <a:solidFill>
+                  <a:schemeClr val="accent1"/>
+                </a:solidFill>
+              </a14:hiddenFill>
+            </a:ext>
+            <a:ext uri="{91240B29-F687-4F45-9708-019B960494DF}">
+              <a14:hiddenLine xmlns:a14="http://schemas.microsoft.com/office/drawing/2010/main" w="9525">
+                <a:solidFill>
+                  <a:schemeClr val="tx1"/>
+                </a:solidFill>
+                <a:miter lim="800000"/>
+                <a:headEnd/>
+                <a:tailEnd/>
+              </a14:hiddenLine>
+            </a:ext>
+            <a:ext uri="{AF507438-7753-43E0-B8FC-AC1667EBCBE1}">
+              <a14:hiddenEffects xmlns:a14="http://schemas.microsoft.com/office/drawing/2010/main">
+                <a:effectLst>
+                  <a:outerShdw dist="35921" dir="2700000" algn="ctr" rotWithShape="0">
+                    <a:schemeClr val="bg2"/>
+                  </a:outerShdw>
+                </a:effectLst>
+              </a14:hiddenEffects>
+            </a:ext>
+          </a:extLst>
+        </p:spPr>
+        <p:txBody>
+          <a:bodyPr vert="horz" wrap="none" lIns="91440" tIns="45720" rIns="91440" bIns="45720" numCol="1" anchor="ctr" anchorCtr="0" compatLnSpc="1">
+            <a:prstTxWarp prst="textNoShape">
+              <a:avLst/>
+            </a:prstTxWarp>
+            <a:spAutoFit/>
+          </a:bodyPr>
+          <a:lstStyle/>
+          <a:p>
+            <a:endParaRPr lang="ko-KR" altLang="en-US"/>
+          </a:p>
+        </p:txBody>
+      </p:sp>
+      <p:pic>
+        <p:nvPicPr>
+          <p:cNvPr id="1027" name="_x272585232">
+            <a:extLst>
+              <a:ext uri="{FF2B5EF4-FFF2-40B4-BE49-F238E27FC236}">
+                <a16:creationId xmlns:a16="http://schemas.microsoft.com/office/drawing/2014/main" id="{F8E7E056-564E-4149-8E16-F5E8348DD021}"/>
+              </a:ext>
+            </a:extLst>
+          </p:cNvPr>
+          <p:cNvPicPr>
+            <a:picLocks noChangeAspect="1" noChangeArrowheads="1"/>
+          </p:cNvPicPr>
+          <p:nvPr/>
+        </p:nvPicPr>
+        <p:blipFill>
+          <a:blip r:embed="rId2">
+            <a:extLst>
+              <a:ext uri="{28A0092B-C50C-407E-A947-70E740481C1C}">
+                <a14:useLocalDpi xmlns:a14="http://schemas.microsoft.com/office/drawing/2010/main" val="0"/>
+              </a:ext>
+            </a:extLst>
+          </a:blip>
+          <a:srcRect/>
+          <a:stretch>
+            <a:fillRect/>
+          </a:stretch>
+        </p:blipFill>
+        <p:spPr bwMode="auto">
+          <a:xfrm>
+            <a:off x="989977" y="1063689"/>
+            <a:ext cx="5248424" cy="4300590"/>
+          </a:xfrm>
+          <a:prstGeom prst="rect">
+            <a:avLst/>
+          </a:prstGeom>
+          <a:noFill/>
+          <a:extLst>
+            <a:ext uri="{909E8E84-426E-40DD-AFC4-6F175D3DCCD1}">
+              <a14:hiddenFill xmlns:a14="http://schemas.microsoft.com/office/drawing/2010/main">
+                <a:solidFill>
+                  <a:srgbClr val="FFFFFF"/>
+                </a:solidFill>
+              </a14:hiddenFill>
+            </a:ext>
+          </a:extLst>
+        </p:spPr>
+      </p:pic>
+      <p:sp>
+        <p:nvSpPr>
+          <p:cNvPr id="4" name="TextBox 3">
+            <a:extLst>
+              <a:ext uri="{FF2B5EF4-FFF2-40B4-BE49-F238E27FC236}">
+                <a16:creationId xmlns:a16="http://schemas.microsoft.com/office/drawing/2014/main" id="{E9D05E11-CDD4-4912-8B56-ED601BE7E2CE}"/>
+              </a:ext>
+            </a:extLst>
+          </p:cNvPr>
+          <p:cNvSpPr txBox="1"/>
+          <p:nvPr/>
+        </p:nvSpPr>
+        <p:spPr>
+          <a:xfrm>
+            <a:off x="6885992" y="2752319"/>
+            <a:ext cx="4394718" cy="1200329"/>
+          </a:xfrm>
+          <a:prstGeom prst="rect">
+            <a:avLst/>
+          </a:prstGeom>
+          <a:noFill/>
+        </p:spPr>
+        <p:txBody>
+          <a:bodyPr wrap="square" rtlCol="0">
+            <a:spAutoFit/>
+          </a:bodyPr>
+          <a:lstStyle/>
+          <a:p>
+            <a:r>
+              <a:rPr lang="ko-KR" altLang="en-US" dirty="0"/>
+              <a:t>네모는 모두 컴포넌트로 만들 계획</a:t>
+            </a:r>
+            <a:endParaRPr lang="en-US" altLang="ko-KR" dirty="0"/>
+          </a:p>
+          <a:p>
+            <a:r>
+              <a:rPr lang="ko-KR" altLang="en-US" dirty="0"/>
+              <a:t>컴포넌트 안에 컴포넌트가 있을 수 있다</a:t>
+            </a:r>
+            <a:endParaRPr lang="en-US" altLang="ko-KR" dirty="0"/>
+          </a:p>
+          <a:p>
+            <a:r>
+              <a:rPr lang="en-US" altLang="ko-KR" dirty="0"/>
+              <a:t>    </a:t>
+            </a:r>
+            <a:r>
+              <a:rPr lang="ko-KR" altLang="en-US" sz="1400" dirty="0"/>
+              <a:t>이 경우</a:t>
+            </a:r>
+            <a:r>
+              <a:rPr lang="en-US" altLang="ko-KR" sz="1400" dirty="0"/>
+              <a:t>, </a:t>
+            </a:r>
+            <a:r>
+              <a:rPr lang="ko-KR" altLang="en-US" sz="1400" dirty="0"/>
+              <a:t>부모 자식으로 구분한다</a:t>
+            </a:r>
+            <a:endParaRPr lang="en-US" altLang="ko-KR" sz="1400" dirty="0"/>
+          </a:p>
+          <a:p>
+            <a:r>
+              <a:rPr lang="ko-KR" altLang="en-US" dirty="0">
+                <a:solidFill>
+                  <a:srgbClr val="FF0000"/>
+                </a:solidFill>
+              </a:rPr>
+              <a:t>컴포넌트는 함수다</a:t>
+            </a:r>
+          </a:p>
+        </p:txBody>
+      </p:sp>
+    </p:spTree>
+    <p:extLst>
+      <p:ext uri="{BB962C8B-B14F-4D97-AF65-F5344CB8AC3E}">
+        <p14:creationId xmlns:p14="http://schemas.microsoft.com/office/powerpoint/2010/main" val="2582594787"/>
+      </p:ext>
+    </p:extLst>
+  </p:cSld>
+  <p:clrMapOvr>
+    <a:masterClrMapping/>
+  </p:clrMapOvr>
+</p:sld>
+</file>
+
+<file path=ppt/slides/slide4.xml><?xml version="1.0" encoding="utf-8"?>
+<p:sld xmlns:a="http://schemas.openxmlformats.org/drawingml/2006/main" xmlns:r="http://schemas.openxmlformats.org/officeDocument/2006/relationships" xmlns:p="http://schemas.openxmlformats.org/presentationml/2006/main">
+  <p:cSld>
+    <p:spTree>
+      <p:nvGrpSpPr>
+        <p:cNvPr id="1" name=""/>
+        <p:cNvGrpSpPr/>
+        <p:nvPr/>
+      </p:nvGrpSpPr>
+      <p:grpSpPr>
+        <a:xfrm>
+          <a:off x="0" y="0"/>
+          <a:ext cx="0" cy="0"/>
+          <a:chOff x="0" y="0"/>
+          <a:chExt cx="0" cy="0"/>
+        </a:xfrm>
+      </p:grpSpPr>
+      <p:sp>
+        <p:nvSpPr>
+          <p:cNvPr id="3" name="Rectangle 4">
+            <a:extLst>
+              <a:ext uri="{FF2B5EF4-FFF2-40B4-BE49-F238E27FC236}">
+                <a16:creationId xmlns:a16="http://schemas.microsoft.com/office/drawing/2014/main" id="{2951A239-BBB4-4F39-949F-031E893456DF}"/>
+              </a:ext>
+            </a:extLst>
+          </p:cNvPr>
+          <p:cNvSpPr>
+            <a:spLocks noChangeArrowheads="1"/>
+          </p:cNvSpPr>
+          <p:nvPr/>
+        </p:nvSpPr>
+        <p:spPr bwMode="auto">
+          <a:xfrm>
+            <a:off x="0" y="0"/>
+            <a:ext cx="12192000" cy="457200"/>
+          </a:xfrm>
+          <a:prstGeom prst="rect">
+            <a:avLst/>
+          </a:prstGeom>
+          <a:noFill/>
+          <a:ln>
+            <a:noFill/>
+          </a:ln>
+          <a:effectLst/>
+          <a:extLst>
+            <a:ext uri="{909E8E84-426E-40DD-AFC4-6F175D3DCCD1}">
+              <a14:hiddenFill xmlns:a14="http://schemas.microsoft.com/office/drawing/2010/main">
+                <a:solidFill>
+                  <a:schemeClr val="accent1"/>
+                </a:solidFill>
+              </a14:hiddenFill>
+            </a:ext>
+            <a:ext uri="{91240B29-F687-4F45-9708-019B960494DF}">
+              <a14:hiddenLine xmlns:a14="http://schemas.microsoft.com/office/drawing/2010/main" w="9525">
+                <a:solidFill>
+                  <a:schemeClr val="tx1"/>
+                </a:solidFill>
+                <a:miter lim="800000"/>
+                <a:headEnd/>
+                <a:tailEnd/>
+              </a14:hiddenLine>
+            </a:ext>
+            <a:ext uri="{AF507438-7753-43E0-B8FC-AC1667EBCBE1}">
+              <a14:hiddenEffects xmlns:a14="http://schemas.microsoft.com/office/drawing/2010/main">
+                <a:effectLst>
+                  <a:outerShdw dist="35921" dir="2700000" algn="ctr" rotWithShape="0">
+                    <a:schemeClr val="bg2"/>
+                  </a:outerShdw>
+                </a:effectLst>
+              </a14:hiddenEffects>
+            </a:ext>
+          </a:extLst>
+        </p:spPr>
+        <p:txBody>
+          <a:bodyPr vert="horz" wrap="none" lIns="91440" tIns="45720" rIns="91440" bIns="45720" numCol="1" anchor="ctr" anchorCtr="0" compatLnSpc="1">
+            <a:prstTxWarp prst="textNoShape">
+              <a:avLst/>
+            </a:prstTxWarp>
+            <a:spAutoFit/>
+          </a:bodyPr>
+          <a:lstStyle/>
+          <a:p>
+            <a:endParaRPr lang="ko-KR" altLang="en-US"/>
+          </a:p>
+        </p:txBody>
+      </p:sp>
+      <p:pic>
+        <p:nvPicPr>
+          <p:cNvPr id="1027" name="_x272585232">
+            <a:extLst>
+              <a:ext uri="{FF2B5EF4-FFF2-40B4-BE49-F238E27FC236}">
+                <a16:creationId xmlns:a16="http://schemas.microsoft.com/office/drawing/2014/main" id="{F8E7E056-564E-4149-8E16-F5E8348DD021}"/>
+              </a:ext>
+            </a:extLst>
+          </p:cNvPr>
+          <p:cNvPicPr>
+            <a:picLocks noChangeAspect="1" noChangeArrowheads="1"/>
+          </p:cNvPicPr>
+          <p:nvPr/>
+        </p:nvPicPr>
+        <p:blipFill>
+          <a:blip r:embed="rId2">
+            <a:extLst>
+              <a:ext uri="{28A0092B-C50C-407E-A947-70E740481C1C}">
+                <a14:useLocalDpi xmlns:a14="http://schemas.microsoft.com/office/drawing/2010/main" val="0"/>
+              </a:ext>
+            </a:extLst>
+          </a:blip>
+          <a:srcRect/>
+          <a:stretch>
+            <a:fillRect/>
+          </a:stretch>
+        </p:blipFill>
+        <p:spPr bwMode="auto">
+          <a:xfrm>
+            <a:off x="989977" y="1063689"/>
+            <a:ext cx="5248424" cy="4300590"/>
+          </a:xfrm>
+          <a:prstGeom prst="rect">
+            <a:avLst/>
+          </a:prstGeom>
+          <a:noFill/>
+          <a:extLst>
+            <a:ext uri="{909E8E84-426E-40DD-AFC4-6F175D3DCCD1}">
+              <a14:hiddenFill xmlns:a14="http://schemas.microsoft.com/office/drawing/2010/main">
+                <a:solidFill>
+                  <a:srgbClr val="FFFFFF"/>
+                </a:solidFill>
+              </a14:hiddenFill>
+            </a:ext>
+          </a:extLst>
+        </p:spPr>
+      </p:pic>
+      <p:sp>
+        <p:nvSpPr>
+          <p:cNvPr id="4" name="TextBox 3">
+            <a:extLst>
+              <a:ext uri="{FF2B5EF4-FFF2-40B4-BE49-F238E27FC236}">
+                <a16:creationId xmlns:a16="http://schemas.microsoft.com/office/drawing/2014/main" id="{E9D05E11-CDD4-4912-8B56-ED601BE7E2CE}"/>
+              </a:ext>
+            </a:extLst>
+          </p:cNvPr>
+          <p:cNvSpPr txBox="1"/>
+          <p:nvPr/>
+        </p:nvSpPr>
+        <p:spPr>
+          <a:xfrm>
+            <a:off x="6885992" y="2752319"/>
+            <a:ext cx="4394718" cy="1200329"/>
+          </a:xfrm>
+          <a:prstGeom prst="rect">
+            <a:avLst/>
+          </a:prstGeom>
+          <a:noFill/>
+        </p:spPr>
+        <p:txBody>
+          <a:bodyPr wrap="square" rtlCol="0">
+            <a:spAutoFit/>
+          </a:bodyPr>
+          <a:lstStyle/>
+          <a:p>
+            <a:r>
+              <a:rPr lang="ko-KR" altLang="en-US" dirty="0"/>
+              <a:t>네모는 모두 컴포넌트로 만들 계획</a:t>
+            </a:r>
+            <a:endParaRPr lang="en-US" altLang="ko-KR" dirty="0"/>
+          </a:p>
+          <a:p>
+            <a:r>
+              <a:rPr lang="ko-KR" altLang="en-US" dirty="0"/>
+              <a:t>컴포넌트 안에 컴포넌트가 있을 수 있다</a:t>
+            </a:r>
+            <a:endParaRPr lang="en-US" altLang="ko-KR" dirty="0"/>
+          </a:p>
+          <a:p>
+            <a:r>
+              <a:rPr lang="en-US" altLang="ko-KR" dirty="0"/>
+              <a:t>    </a:t>
+            </a:r>
+            <a:r>
+              <a:rPr lang="ko-KR" altLang="en-US" sz="1400" dirty="0"/>
+              <a:t>이 경우</a:t>
+            </a:r>
+            <a:r>
+              <a:rPr lang="en-US" altLang="ko-KR" sz="1400" dirty="0"/>
+              <a:t>, </a:t>
+            </a:r>
+            <a:r>
+              <a:rPr lang="ko-KR" altLang="en-US" sz="1400" dirty="0"/>
+              <a:t>부모 자식으로 구분한다</a:t>
+            </a:r>
+            <a:endParaRPr lang="en-US" altLang="ko-KR" sz="1400" dirty="0"/>
+          </a:p>
+          <a:p>
+            <a:r>
+              <a:rPr lang="ko-KR" altLang="en-US" dirty="0">
+                <a:solidFill>
+                  <a:srgbClr val="FF0000"/>
+                </a:solidFill>
+              </a:rPr>
+              <a:t>컴포넌트는 함수다</a:t>
+            </a:r>
+          </a:p>
+        </p:txBody>
+      </p:sp>
+      <p:sp>
+        <p:nvSpPr>
+          <p:cNvPr id="5" name="직사각형 4">
+            <a:extLst>
+              <a:ext uri="{FF2B5EF4-FFF2-40B4-BE49-F238E27FC236}">
+                <a16:creationId xmlns:a16="http://schemas.microsoft.com/office/drawing/2014/main" id="{E998DE44-3A57-4F4D-98C0-B2B0BC4ACB15}"/>
+              </a:ext>
+            </a:extLst>
+          </p:cNvPr>
+          <p:cNvSpPr/>
+          <p:nvPr/>
+        </p:nvSpPr>
+        <p:spPr>
+          <a:xfrm>
+            <a:off x="3816991" y="2382473"/>
+            <a:ext cx="2340528" cy="2206305"/>
+          </a:xfrm>
+          <a:prstGeom prst="rect">
+            <a:avLst/>
+          </a:prstGeom>
+        </p:spPr>
+        <p:style>
+          <a:lnRef idx="2">
+            <a:schemeClr val="accent1">
+              <a:shade val="50000"/>
+            </a:schemeClr>
+          </a:lnRef>
+          <a:fillRef idx="1">
+            <a:schemeClr val="accent1"/>
+          </a:fillRef>
+          <a:effectRef idx="0">
+            <a:schemeClr val="accent1"/>
+          </a:effectRef>
+          <a:fontRef idx="minor">
+            <a:schemeClr val="lt1"/>
+          </a:fontRef>
+        </p:style>
+        <p:txBody>
+          <a:bodyPr rtlCol="0" anchor="ctr"/>
+          <a:lstStyle/>
+          <a:p>
+            <a:pPr algn="ctr"/>
+            <a:endParaRPr lang="ko-KR" altLang="en-US"/>
+          </a:p>
+        </p:txBody>
+      </p:sp>
+      <p:pic>
+        <p:nvPicPr>
+          <p:cNvPr id="7" name="그림 6">
+            <a:extLst>
+              <a:ext uri="{FF2B5EF4-FFF2-40B4-BE49-F238E27FC236}">
+                <a16:creationId xmlns:a16="http://schemas.microsoft.com/office/drawing/2014/main" id="{9CE934C3-D76E-4954-AF3C-D8C3C7B1BB7D}"/>
+              </a:ext>
+            </a:extLst>
+          </p:cNvPr>
+          <p:cNvPicPr>
+            <a:picLocks noChangeAspect="1"/>
+          </p:cNvPicPr>
+          <p:nvPr/>
+        </p:nvPicPr>
+        <p:blipFill>
+          <a:blip r:embed="rId3"/>
+          <a:stretch>
+            <a:fillRect/>
+          </a:stretch>
+        </p:blipFill>
+        <p:spPr>
+          <a:xfrm>
+            <a:off x="3929150" y="3091924"/>
+            <a:ext cx="2105340" cy="674151"/>
+          </a:xfrm>
+          <a:prstGeom prst="rect">
+            <a:avLst/>
+          </a:prstGeom>
+        </p:spPr>
+      </p:pic>
+    </p:spTree>
+    <p:extLst>
+      <p:ext uri="{BB962C8B-B14F-4D97-AF65-F5344CB8AC3E}">
+        <p14:creationId xmlns:p14="http://schemas.microsoft.com/office/powerpoint/2010/main" val="3744166437"/>
+      </p:ext>
+    </p:extLst>
+  </p:cSld>
+  <p:clrMapOvr>
+    <a:masterClrMapping/>
+  </p:clrMapOvr>
+</p:sld>
+</file>
+
+<file path=ppt/slides/slide5.xml><?xml version="1.0" encoding="utf-8"?>
+<p:sld xmlns:a="http://schemas.openxmlformats.org/drawingml/2006/main" xmlns:r="http://schemas.openxmlformats.org/officeDocument/2006/relationships" xmlns:p="http://schemas.openxmlformats.org/presentationml/2006/main">
+  <p:cSld>
+    <p:spTree>
+      <p:nvGrpSpPr>
+        <p:cNvPr id="1" name=""/>
+        <p:cNvGrpSpPr/>
+        <p:nvPr/>
+      </p:nvGrpSpPr>
+      <p:grpSpPr>
+        <a:xfrm>
+          <a:off x="0" y="0"/>
+          <a:ext cx="0" cy="0"/>
+          <a:chOff x="0" y="0"/>
+          <a:chExt cx="0" cy="0"/>
+        </a:xfrm>
+      </p:grpSpPr>
+      <p:sp>
+        <p:nvSpPr>
+          <p:cNvPr id="3" name="Rectangle 4">
+            <a:extLst>
+              <a:ext uri="{FF2B5EF4-FFF2-40B4-BE49-F238E27FC236}">
+                <a16:creationId xmlns:a16="http://schemas.microsoft.com/office/drawing/2014/main" id="{2951A239-BBB4-4F39-949F-031E893456DF}"/>
+              </a:ext>
+            </a:extLst>
+          </p:cNvPr>
+          <p:cNvSpPr>
+            <a:spLocks noChangeArrowheads="1"/>
+          </p:cNvSpPr>
+          <p:nvPr/>
+        </p:nvSpPr>
+        <p:spPr bwMode="auto">
+          <a:xfrm>
+            <a:off x="0" y="0"/>
+            <a:ext cx="12192000" cy="457200"/>
+          </a:xfrm>
+          <a:prstGeom prst="rect">
+            <a:avLst/>
+          </a:prstGeom>
+          <a:noFill/>
+          <a:ln>
+            <a:noFill/>
+          </a:ln>
+          <a:effectLst/>
+          <a:extLst>
+            <a:ext uri="{909E8E84-426E-40DD-AFC4-6F175D3DCCD1}">
+              <a14:hiddenFill xmlns:a14="http://schemas.microsoft.com/office/drawing/2010/main">
+                <a:solidFill>
+                  <a:schemeClr val="accent1"/>
+                </a:solidFill>
+              </a14:hiddenFill>
+            </a:ext>
+            <a:ext uri="{91240B29-F687-4F45-9708-019B960494DF}">
+              <a14:hiddenLine xmlns:a14="http://schemas.microsoft.com/office/drawing/2010/main" w="9525">
+                <a:solidFill>
+                  <a:schemeClr val="tx1"/>
+                </a:solidFill>
+                <a:miter lim="800000"/>
+                <a:headEnd/>
+                <a:tailEnd/>
+              </a14:hiddenLine>
+            </a:ext>
+            <a:ext uri="{AF507438-7753-43E0-B8FC-AC1667EBCBE1}">
+              <a14:hiddenEffects xmlns:a14="http://schemas.microsoft.com/office/drawing/2010/main">
+                <a:effectLst>
+                  <a:outerShdw dist="35921" dir="2700000" algn="ctr" rotWithShape="0">
+                    <a:schemeClr val="bg2"/>
+                  </a:outerShdw>
+                </a:effectLst>
+              </a14:hiddenEffects>
+            </a:ext>
+          </a:extLst>
+        </p:spPr>
+        <p:txBody>
+          <a:bodyPr vert="horz" wrap="none" lIns="91440" tIns="45720" rIns="91440" bIns="45720" numCol="1" anchor="ctr" anchorCtr="0" compatLnSpc="1">
+            <a:prstTxWarp prst="textNoShape">
+              <a:avLst/>
+            </a:prstTxWarp>
+            <a:spAutoFit/>
+          </a:bodyPr>
+          <a:lstStyle/>
+          <a:p>
+            <a:endParaRPr lang="ko-KR" altLang="en-US"/>
+          </a:p>
+        </p:txBody>
+      </p:sp>
+      <p:pic>
+        <p:nvPicPr>
+          <p:cNvPr id="1027" name="_x272585232">
+            <a:extLst>
+              <a:ext uri="{FF2B5EF4-FFF2-40B4-BE49-F238E27FC236}">
+                <a16:creationId xmlns:a16="http://schemas.microsoft.com/office/drawing/2014/main" id="{F8E7E056-564E-4149-8E16-F5E8348DD021}"/>
+              </a:ext>
+            </a:extLst>
+          </p:cNvPr>
+          <p:cNvPicPr>
+            <a:picLocks noChangeAspect="1" noChangeArrowheads="1"/>
+          </p:cNvPicPr>
+          <p:nvPr/>
+        </p:nvPicPr>
+        <p:blipFill>
+          <a:blip r:embed="rId2">
+            <a:extLst>
+              <a:ext uri="{28A0092B-C50C-407E-A947-70E740481C1C}">
+                <a14:useLocalDpi xmlns:a14="http://schemas.microsoft.com/office/drawing/2010/main" val="0"/>
+              </a:ext>
+            </a:extLst>
+          </a:blip>
+          <a:srcRect/>
+          <a:stretch>
+            <a:fillRect/>
+          </a:stretch>
+        </p:blipFill>
+        <p:spPr bwMode="auto">
+          <a:xfrm>
+            <a:off x="989977" y="1063689"/>
+            <a:ext cx="5248424" cy="4300590"/>
+          </a:xfrm>
+          <a:prstGeom prst="rect">
+            <a:avLst/>
+          </a:prstGeom>
+          <a:noFill/>
+          <a:extLst>
+            <a:ext uri="{909E8E84-426E-40DD-AFC4-6F175D3DCCD1}">
+              <a14:hiddenFill xmlns:a14="http://schemas.microsoft.com/office/drawing/2010/main">
+                <a:solidFill>
+                  <a:srgbClr val="FFFFFF"/>
+                </a:solidFill>
+              </a14:hiddenFill>
+            </a:ext>
+          </a:extLst>
+        </p:spPr>
+      </p:pic>
+      <p:sp>
+        <p:nvSpPr>
+          <p:cNvPr id="4" name="TextBox 3">
+            <a:extLst>
+              <a:ext uri="{FF2B5EF4-FFF2-40B4-BE49-F238E27FC236}">
+                <a16:creationId xmlns:a16="http://schemas.microsoft.com/office/drawing/2014/main" id="{E9D05E11-CDD4-4912-8B56-ED601BE7E2CE}"/>
+              </a:ext>
+            </a:extLst>
+          </p:cNvPr>
+          <p:cNvSpPr txBox="1"/>
+          <p:nvPr/>
+        </p:nvSpPr>
+        <p:spPr>
+          <a:xfrm>
+            <a:off x="6953104" y="3116293"/>
+            <a:ext cx="4394718" cy="369332"/>
+          </a:xfrm>
+          <a:prstGeom prst="rect">
+            <a:avLst/>
+          </a:prstGeom>
+          <a:noFill/>
+        </p:spPr>
+        <p:txBody>
+          <a:bodyPr wrap="square" rtlCol="0">
+            <a:spAutoFit/>
+          </a:bodyPr>
+          <a:lstStyle/>
+          <a:p>
+            <a:r>
+              <a:rPr lang="ko-KR" altLang="en-US" dirty="0"/>
+              <a:t>컴포넌트는 </a:t>
+            </a:r>
+            <a:r>
+              <a:rPr lang="ko-KR" altLang="en-US" dirty="0">
+                <a:solidFill>
+                  <a:srgbClr val="FF0000"/>
+                </a:solidFill>
+              </a:rPr>
+              <a:t>재사용</a:t>
+            </a:r>
+            <a:r>
+              <a:rPr lang="ko-KR" altLang="en-US" dirty="0"/>
+              <a:t> 가능하다</a:t>
+            </a:r>
+            <a:endParaRPr lang="ko-KR" altLang="en-US" dirty="0">
+              <a:solidFill>
+                <a:srgbClr val="FF0000"/>
+              </a:solidFill>
+            </a:endParaRPr>
+          </a:p>
+        </p:txBody>
+      </p:sp>
+      <p:sp>
+        <p:nvSpPr>
+          <p:cNvPr id="5" name="직사각형 4">
+            <a:extLst>
+              <a:ext uri="{FF2B5EF4-FFF2-40B4-BE49-F238E27FC236}">
+                <a16:creationId xmlns:a16="http://schemas.microsoft.com/office/drawing/2014/main" id="{E998DE44-3A57-4F4D-98C0-B2B0BC4ACB15}"/>
+              </a:ext>
+            </a:extLst>
+          </p:cNvPr>
+          <p:cNvSpPr/>
+          <p:nvPr/>
+        </p:nvSpPr>
+        <p:spPr>
+          <a:xfrm>
+            <a:off x="3816991" y="2382473"/>
+            <a:ext cx="2340528" cy="2206305"/>
+          </a:xfrm>
+          <a:prstGeom prst="rect">
+            <a:avLst/>
+          </a:prstGeom>
+        </p:spPr>
+        <p:style>
+          <a:lnRef idx="2">
+            <a:schemeClr val="accent1">
+              <a:shade val="50000"/>
+            </a:schemeClr>
+          </a:lnRef>
+          <a:fillRef idx="1">
+            <a:schemeClr val="accent1"/>
+          </a:fillRef>
+          <a:effectRef idx="0">
+            <a:schemeClr val="accent1"/>
+          </a:effectRef>
+          <a:fontRef idx="minor">
+            <a:schemeClr val="lt1"/>
+          </a:fontRef>
+        </p:style>
+        <p:txBody>
+          <a:bodyPr rtlCol="0" anchor="ctr"/>
+          <a:lstStyle/>
+          <a:p>
+            <a:pPr algn="ctr"/>
+            <a:endParaRPr lang="ko-KR" altLang="en-US"/>
+          </a:p>
+        </p:txBody>
+      </p:sp>
+      <p:pic>
+        <p:nvPicPr>
+          <p:cNvPr id="7" name="그림 6">
+            <a:extLst>
+              <a:ext uri="{FF2B5EF4-FFF2-40B4-BE49-F238E27FC236}">
+                <a16:creationId xmlns:a16="http://schemas.microsoft.com/office/drawing/2014/main" id="{9CE934C3-D76E-4954-AF3C-D8C3C7B1BB7D}"/>
+              </a:ext>
+            </a:extLst>
+          </p:cNvPr>
+          <p:cNvPicPr>
+            <a:picLocks noChangeAspect="1"/>
+          </p:cNvPicPr>
+          <p:nvPr/>
+        </p:nvPicPr>
+        <p:blipFill>
+          <a:blip r:embed="rId3"/>
+          <a:stretch>
+            <a:fillRect/>
+          </a:stretch>
+        </p:blipFill>
+        <p:spPr>
+          <a:xfrm>
+            <a:off x="3929150" y="3091924"/>
+            <a:ext cx="2105340" cy="674151"/>
+          </a:xfrm>
+          <a:prstGeom prst="rect">
+            <a:avLst/>
+          </a:prstGeom>
+        </p:spPr>
+      </p:pic>
+      <p:pic>
+        <p:nvPicPr>
+          <p:cNvPr id="6" name="그림 5">
+            <a:extLst>
+              <a:ext uri="{FF2B5EF4-FFF2-40B4-BE49-F238E27FC236}">
+                <a16:creationId xmlns:a16="http://schemas.microsoft.com/office/drawing/2014/main" id="{A0ED4B9D-ECF8-438F-A48B-CD98840B5B5A}"/>
+              </a:ext>
+            </a:extLst>
+          </p:cNvPr>
+          <p:cNvPicPr>
+            <a:picLocks noChangeAspect="1"/>
+          </p:cNvPicPr>
+          <p:nvPr/>
+        </p:nvPicPr>
+        <p:blipFill>
+          <a:blip r:embed="rId4"/>
+          <a:stretch>
+            <a:fillRect/>
+          </a:stretch>
+        </p:blipFill>
+        <p:spPr>
+          <a:xfrm>
+            <a:off x="1232875" y="3192010"/>
+            <a:ext cx="2184119" cy="886473"/>
+          </a:xfrm>
+          <a:prstGeom prst="rect">
+            <a:avLst/>
+          </a:prstGeom>
+        </p:spPr>
+      </p:pic>
+    </p:spTree>
+    <p:extLst>
+      <p:ext uri="{BB962C8B-B14F-4D97-AF65-F5344CB8AC3E}">
+        <p14:creationId xmlns:p14="http://schemas.microsoft.com/office/powerpoint/2010/main" val="359435716"/>
+      </p:ext>
+    </p:extLst>
+  </p:cSld>
+  <p:clrMapOvr>
+    <a:masterClrMapping/>
+  </p:clrMapOvr>
+</p:sld>
+</file>
+
+<file path=ppt/slides/slide6.xml><?xml version="1.0" encoding="utf-8"?>
+<p:sld xmlns:a="http://schemas.openxmlformats.org/drawingml/2006/main" xmlns:r="http://schemas.openxmlformats.org/officeDocument/2006/relationships" xmlns:p="http://schemas.openxmlformats.org/presentationml/2006/main">
+  <p:cSld>
+    <p:spTree>
+      <p:nvGrpSpPr>
+        <p:cNvPr id="1" name=""/>
+        <p:cNvGrpSpPr/>
+        <p:nvPr/>
+      </p:nvGrpSpPr>
+      <p:grpSpPr>
+        <a:xfrm>
+          <a:off x="0" y="0"/>
+          <a:ext cx="0" cy="0"/>
+          <a:chOff x="0" y="0"/>
+          <a:chExt cx="0" cy="0"/>
+        </a:xfrm>
+      </p:grpSpPr>
+      <p:pic>
+        <p:nvPicPr>
+          <p:cNvPr id="5" name="그림 4">
+            <a:extLst>
+              <a:ext uri="{FF2B5EF4-FFF2-40B4-BE49-F238E27FC236}">
+                <a16:creationId xmlns:a16="http://schemas.microsoft.com/office/drawing/2014/main" id="{234AFFDC-EA17-43CE-8714-1802D4E27A73}"/>
+              </a:ext>
+            </a:extLst>
+          </p:cNvPr>
+          <p:cNvPicPr>
+            <a:picLocks noChangeAspect="1"/>
+          </p:cNvPicPr>
+          <p:nvPr/>
+        </p:nvPicPr>
+        <p:blipFill>
+          <a:blip r:embed="rId2"/>
+          <a:stretch>
+            <a:fillRect/>
+          </a:stretch>
+        </p:blipFill>
+        <p:spPr>
+          <a:xfrm>
+            <a:off x="828675" y="2638425"/>
+            <a:ext cx="10534650" cy="1581150"/>
+          </a:xfrm>
+          <a:prstGeom prst="rect">
+            <a:avLst/>
+          </a:prstGeom>
+        </p:spPr>
+      </p:pic>
+    </p:spTree>
+    <p:extLst>
+      <p:ext uri="{BB962C8B-B14F-4D97-AF65-F5344CB8AC3E}">
+        <p14:creationId xmlns:p14="http://schemas.microsoft.com/office/powerpoint/2010/main" val="292298580"/>
+      </p:ext>
+    </p:extLst>
+  </p:cSld>
+  <p:clrMapOvr>
+    <a:masterClrMapping/>
+  </p:clrMapOvr>
+</p:sld>
+</file>
+
+<file path=ppt/slides/slide7.xml><?xml version="1.0" encoding="utf-8"?>
+<p:sld xmlns:a="http://schemas.openxmlformats.org/drawingml/2006/main" xmlns:r="http://schemas.openxmlformats.org/officeDocument/2006/relationships" xmlns:p="http://schemas.openxmlformats.org/presentationml/2006/main">
+  <p:cSld>
+    <p:spTree>
+      <p:nvGrpSpPr>
+        <p:cNvPr id="1" name=""/>
+        <p:cNvGrpSpPr/>
+        <p:nvPr/>
+      </p:nvGrpSpPr>
+      <p:grpSpPr>
+        <a:xfrm>
+          <a:off x="0" y="0"/>
+          <a:ext cx="0" cy="0"/>
+          <a:chOff x="0" y="0"/>
+          <a:chExt cx="0" cy="0"/>
+        </a:xfrm>
+      </p:grpSpPr>
+      <p:sp>
+        <p:nvSpPr>
+          <p:cNvPr id="2" name="제목 1">
+            <a:extLst>
+              <a:ext uri="{FF2B5EF4-FFF2-40B4-BE49-F238E27FC236}">
+                <a16:creationId xmlns:a16="http://schemas.microsoft.com/office/drawing/2014/main" id="{61E184D6-71C3-420E-B439-2B63DEEEB610}"/>
+              </a:ext>
+            </a:extLst>
+          </p:cNvPr>
+          <p:cNvSpPr>
+            <a:spLocks noGrp="1"/>
+          </p:cNvSpPr>
+          <p:nvPr>
+            <p:ph type="title"/>
+          </p:nvPr>
+        </p:nvSpPr>
+        <p:spPr/>
+        <p:txBody>
+          <a:bodyPr/>
+          <a:lstStyle/>
+          <a:p>
+            <a:r>
+              <a:rPr lang="ko-KR" altLang="en-US" dirty="0"/>
+              <a:t>컴포넌트</a:t>
+            </a:r>
+          </a:p>
+        </p:txBody>
+      </p:sp>
+      <p:pic>
+        <p:nvPicPr>
+          <p:cNvPr id="5" name="그림 4">
+            <a:extLst>
+              <a:ext uri="{FF2B5EF4-FFF2-40B4-BE49-F238E27FC236}">
+                <a16:creationId xmlns:a16="http://schemas.microsoft.com/office/drawing/2014/main" id="{35EB6C3B-5F93-4934-A37B-40FC19053494}"/>
+              </a:ext>
+            </a:extLst>
+          </p:cNvPr>
+          <p:cNvPicPr>
+            <a:picLocks noChangeAspect="1"/>
+          </p:cNvPicPr>
+          <p:nvPr/>
+        </p:nvPicPr>
+        <p:blipFill>
+          <a:blip r:embed="rId2"/>
+          <a:stretch>
+            <a:fillRect/>
+          </a:stretch>
+        </p:blipFill>
+        <p:spPr>
+          <a:xfrm>
+            <a:off x="852487" y="2466975"/>
+            <a:ext cx="10487025" cy="1924050"/>
+          </a:xfrm>
+          <a:prstGeom prst="rect">
+            <a:avLst/>
+          </a:prstGeom>
+        </p:spPr>
+      </p:pic>
+    </p:spTree>
+    <p:extLst>
+      <p:ext uri="{BB962C8B-B14F-4D97-AF65-F5344CB8AC3E}">
+        <p14:creationId xmlns:p14="http://schemas.microsoft.com/office/powerpoint/2010/main" val="4019998342"/>
+      </p:ext>
+    </p:extLst>
+  </p:cSld>
+  <p:clrMapOvr>
+    <a:masterClrMapping/>
+  </p:clrMapOvr>
+</p:sld>
+</file>
+
+<file path=ppt/slides/slide8.xml><?xml version="1.0" encoding="utf-8"?>
+<p:sld xmlns:a="http://schemas.openxmlformats.org/drawingml/2006/main" xmlns:r="http://schemas.openxmlformats.org/officeDocument/2006/relationships" xmlns:p="http://schemas.openxmlformats.org/presentationml/2006/main">
+  <p:cSld>
+    <p:spTree>
+      <p:nvGrpSpPr>
+        <p:cNvPr id="1" name=""/>
+        <p:cNvGrpSpPr/>
+        <p:nvPr/>
+      </p:nvGrpSpPr>
+      <p:grpSpPr>
+        <a:xfrm>
+          <a:off x="0" y="0"/>
+          <a:ext cx="0" cy="0"/>
+          <a:chOff x="0" y="0"/>
+          <a:chExt cx="0" cy="0"/>
+        </a:xfrm>
+      </p:grpSpPr>
+      <p:sp>
+        <p:nvSpPr>
+          <p:cNvPr id="2" name="Rectangle 2">
+            <a:extLst>
+              <a:ext uri="{FF2B5EF4-FFF2-40B4-BE49-F238E27FC236}">
+                <a16:creationId xmlns:a16="http://schemas.microsoft.com/office/drawing/2014/main" id="{0BA2050F-A257-48FB-ADBF-09571FAA0CFC}"/>
+              </a:ext>
+            </a:extLst>
+          </p:cNvPr>
+          <p:cNvSpPr>
+            <a:spLocks noChangeArrowheads="1"/>
+          </p:cNvSpPr>
+          <p:nvPr/>
+        </p:nvSpPr>
+        <p:spPr bwMode="auto">
+          <a:xfrm>
+            <a:off x="0" y="0"/>
+            <a:ext cx="12192000" cy="457200"/>
+          </a:xfrm>
+          <a:prstGeom prst="rect">
+            <a:avLst/>
+          </a:prstGeom>
+          <a:noFill/>
+          <a:ln>
+            <a:noFill/>
+          </a:ln>
+          <a:effectLst/>
+          <a:extLst>
+            <a:ext uri="{909E8E84-426E-40DD-AFC4-6F175D3DCCD1}">
+              <a14:hiddenFill xmlns:a14="http://schemas.microsoft.com/office/drawing/2010/main">
+                <a:solidFill>
+                  <a:schemeClr val="accent1"/>
+                </a:solidFill>
+              </a14:hiddenFill>
+            </a:ext>
+            <a:ext uri="{91240B29-F687-4F45-9708-019B960494DF}">
+              <a14:hiddenLine xmlns:a14="http://schemas.microsoft.com/office/drawing/2010/main" w="9525">
+                <a:solidFill>
+                  <a:schemeClr val="tx1"/>
+                </a:solidFill>
+                <a:miter lim="800000"/>
+                <a:headEnd/>
+                <a:tailEnd/>
+              </a14:hiddenLine>
+            </a:ext>
+            <a:ext uri="{AF507438-7753-43E0-B8FC-AC1667EBCBE1}">
+              <a14:hiddenEffects xmlns:a14="http://schemas.microsoft.com/office/drawing/2010/main">
+                <a:effectLst>
+                  <a:outerShdw dist="35921" dir="2700000" algn="ctr" rotWithShape="0">
+                    <a:schemeClr val="bg2"/>
+                  </a:outerShdw>
+                </a:effectLst>
+              </a14:hiddenEffects>
+            </a:ext>
+          </a:extLst>
+        </p:spPr>
+        <p:txBody>
+          <a:bodyPr vert="horz" wrap="none" lIns="91440" tIns="45720" rIns="91440" bIns="45720" numCol="1" anchor="ctr" anchorCtr="0" compatLnSpc="1">
+            <a:prstTxWarp prst="textNoShape">
+              <a:avLst/>
+            </a:prstTxWarp>
+            <a:spAutoFit/>
+          </a:bodyPr>
+          <a:lstStyle/>
+          <a:p>
+            <a:endParaRPr lang="ko-KR" altLang="en-US"/>
+          </a:p>
+        </p:txBody>
+      </p:sp>
+      <p:pic>
+        <p:nvPicPr>
+          <p:cNvPr id="6" name="그림 5">
+            <a:extLst>
+              <a:ext uri="{FF2B5EF4-FFF2-40B4-BE49-F238E27FC236}">
+                <a16:creationId xmlns:a16="http://schemas.microsoft.com/office/drawing/2014/main" id="{760D5A62-0BCF-4F15-9DF0-37B6CE1C75DA}"/>
+              </a:ext>
+            </a:extLst>
+          </p:cNvPr>
+          <p:cNvPicPr>
+            <a:picLocks noChangeAspect="1"/>
+          </p:cNvPicPr>
+          <p:nvPr/>
+        </p:nvPicPr>
+        <p:blipFill>
+          <a:blip r:embed="rId2"/>
+          <a:stretch>
+            <a:fillRect/>
+          </a:stretch>
+        </p:blipFill>
+        <p:spPr>
+          <a:xfrm>
+            <a:off x="297519" y="2969930"/>
+            <a:ext cx="2306972" cy="736319"/>
+          </a:xfrm>
+          <a:prstGeom prst="rect">
+            <a:avLst/>
+          </a:prstGeom>
+        </p:spPr>
+      </p:pic>
+      <p:pic>
+        <p:nvPicPr>
+          <p:cNvPr id="8" name="그림 7">
+            <a:extLst>
+              <a:ext uri="{FF2B5EF4-FFF2-40B4-BE49-F238E27FC236}">
+                <a16:creationId xmlns:a16="http://schemas.microsoft.com/office/drawing/2014/main" id="{30165682-67DF-44C9-A9D1-B40F73F9966F}"/>
+              </a:ext>
+            </a:extLst>
+          </p:cNvPr>
+          <p:cNvPicPr>
+            <a:picLocks noChangeAspect="1"/>
+          </p:cNvPicPr>
+          <p:nvPr/>
+        </p:nvPicPr>
+        <p:blipFill>
+          <a:blip r:embed="rId3"/>
+          <a:stretch>
+            <a:fillRect/>
+          </a:stretch>
+        </p:blipFill>
+        <p:spPr>
+          <a:xfrm>
+            <a:off x="3859615" y="2110090"/>
+            <a:ext cx="4194430" cy="2933700"/>
+          </a:xfrm>
+          <a:prstGeom prst="rect">
+            <a:avLst/>
+          </a:prstGeom>
+        </p:spPr>
+      </p:pic>
+      <p:pic>
+        <p:nvPicPr>
+          <p:cNvPr id="10" name="그림 9">
+            <a:extLst>
+              <a:ext uri="{FF2B5EF4-FFF2-40B4-BE49-F238E27FC236}">
+                <a16:creationId xmlns:a16="http://schemas.microsoft.com/office/drawing/2014/main" id="{75F7247E-5DB3-4CB7-9DEF-FA54F3674AF4}"/>
+              </a:ext>
+            </a:extLst>
+          </p:cNvPr>
+          <p:cNvPicPr>
+            <a:picLocks noChangeAspect="1"/>
+          </p:cNvPicPr>
+          <p:nvPr/>
+        </p:nvPicPr>
+        <p:blipFill>
+          <a:blip r:embed="rId4"/>
+          <a:stretch>
+            <a:fillRect/>
+          </a:stretch>
+        </p:blipFill>
+        <p:spPr>
+          <a:xfrm>
+            <a:off x="9219020" y="2632668"/>
+            <a:ext cx="1438275" cy="1438275"/>
+          </a:xfrm>
+          <a:prstGeom prst="rect">
+            <a:avLst/>
+          </a:prstGeom>
+        </p:spPr>
+      </p:pic>
+      <p:sp>
+        <p:nvSpPr>
+          <p:cNvPr id="11" name="직사각형 10">
+            <a:extLst>
+              <a:ext uri="{FF2B5EF4-FFF2-40B4-BE49-F238E27FC236}">
+                <a16:creationId xmlns:a16="http://schemas.microsoft.com/office/drawing/2014/main" id="{1916C655-3F54-496D-82F7-5E0767C75B5C}"/>
+              </a:ext>
+            </a:extLst>
+          </p:cNvPr>
+          <p:cNvSpPr/>
+          <p:nvPr/>
+        </p:nvSpPr>
+        <p:spPr>
+          <a:xfrm>
+            <a:off x="9404059" y="2692866"/>
+            <a:ext cx="1065402" cy="1216404"/>
+          </a:xfrm>
+          <a:prstGeom prst="rect">
+            <a:avLst/>
+          </a:prstGeom>
+          <a:solidFill>
+            <a:srgbClr val="70AD47">
+              <a:alpha val="50196"/>
+            </a:srgbClr>
+          </a:solidFill>
+          <a:ln>
+            <a:noFill/>
+          </a:ln>
+        </p:spPr>
+        <p:style>
+          <a:lnRef idx="2">
+            <a:schemeClr val="accent1">
+              <a:shade val="50000"/>
+            </a:schemeClr>
+          </a:lnRef>
+          <a:fillRef idx="1">
+            <a:schemeClr val="accent1"/>
+          </a:fillRef>
+          <a:effectRef idx="0">
+            <a:schemeClr val="accent1"/>
+          </a:effectRef>
+          <a:fontRef idx="minor">
+            <a:schemeClr val="lt1"/>
+          </a:fontRef>
+        </p:style>
+        <p:txBody>
+          <a:bodyPr rtlCol="0" anchor="ctr"/>
+          <a:lstStyle/>
+          <a:p>
+            <a:pPr algn="ctr"/>
+            <a:endParaRPr lang="ko-KR" altLang="en-US"/>
+          </a:p>
+        </p:txBody>
+      </p:sp>
+      <p:sp>
+        <p:nvSpPr>
+          <p:cNvPr id="12" name="TextBox 11">
+            <a:extLst>
+              <a:ext uri="{FF2B5EF4-FFF2-40B4-BE49-F238E27FC236}">
+                <a16:creationId xmlns:a16="http://schemas.microsoft.com/office/drawing/2014/main" id="{91C6D15E-6F51-41AD-BC0D-D35E70F8116C}"/>
+              </a:ext>
+            </a:extLst>
+          </p:cNvPr>
+          <p:cNvSpPr txBox="1"/>
+          <p:nvPr/>
+        </p:nvSpPr>
+        <p:spPr>
+          <a:xfrm>
+            <a:off x="10539849" y="3116402"/>
+            <a:ext cx="785793" cy="369332"/>
+          </a:xfrm>
+          <a:prstGeom prst="rect">
+            <a:avLst/>
+          </a:prstGeom>
+          <a:noFill/>
+        </p:spPr>
+        <p:txBody>
+          <a:bodyPr wrap="none" rtlCol="0">
+            <a:spAutoFit/>
+          </a:bodyPr>
+          <a:lstStyle/>
+          <a:p>
+            <a:r>
+              <a:rPr lang="en-US" altLang="ko-KR" dirty="0">
+                <a:solidFill>
+                  <a:schemeClr val="accent6"/>
+                </a:solidFill>
+              </a:rPr>
+              <a:t>Menu</a:t>
+            </a:r>
+            <a:endParaRPr lang="ko-KR" altLang="en-US" dirty="0">
+              <a:solidFill>
+                <a:schemeClr val="accent6"/>
+              </a:solidFill>
+            </a:endParaRPr>
+          </a:p>
+        </p:txBody>
+      </p:sp>
+      <p:sp>
+        <p:nvSpPr>
+          <p:cNvPr id="13" name="직사각형 12">
+            <a:extLst>
+              <a:ext uri="{FF2B5EF4-FFF2-40B4-BE49-F238E27FC236}">
+                <a16:creationId xmlns:a16="http://schemas.microsoft.com/office/drawing/2014/main" id="{B10EACD3-9560-4312-864C-8411AEED53B1}"/>
+              </a:ext>
+            </a:extLst>
+          </p:cNvPr>
+          <p:cNvSpPr/>
+          <p:nvPr/>
+        </p:nvSpPr>
+        <p:spPr>
+          <a:xfrm>
+            <a:off x="9219020" y="2416029"/>
+            <a:ext cx="2265508" cy="1728132"/>
+          </a:xfrm>
+          <a:prstGeom prst="rect">
+            <a:avLst/>
+          </a:prstGeom>
+          <a:noFill/>
+          <a:ln>
+            <a:solidFill>
+              <a:srgbClr val="FF0000"/>
+            </a:solidFill>
+          </a:ln>
+        </p:spPr>
+        <p:style>
+          <a:lnRef idx="2">
+            <a:schemeClr val="accent1">
+              <a:shade val="50000"/>
+            </a:schemeClr>
+          </a:lnRef>
+          <a:fillRef idx="1">
+            <a:schemeClr val="accent1"/>
+          </a:fillRef>
+          <a:effectRef idx="0">
+            <a:schemeClr val="accent1"/>
+          </a:effectRef>
+          <a:fontRef idx="minor">
+            <a:schemeClr val="lt1"/>
+          </a:fontRef>
+        </p:style>
+        <p:txBody>
+          <a:bodyPr rtlCol="0" anchor="ctr"/>
+          <a:lstStyle/>
+          <a:p>
+            <a:pPr algn="ctr"/>
+            <a:endParaRPr lang="ko-KR" altLang="en-US"/>
+          </a:p>
+        </p:txBody>
+      </p:sp>
+      <p:sp>
+        <p:nvSpPr>
+          <p:cNvPr id="14" name="TextBox 13">
+            <a:extLst>
+              <a:ext uri="{FF2B5EF4-FFF2-40B4-BE49-F238E27FC236}">
+                <a16:creationId xmlns:a16="http://schemas.microsoft.com/office/drawing/2014/main" id="{D0D13263-3E81-455D-AD41-4C35AC406A57}"/>
+              </a:ext>
+            </a:extLst>
+          </p:cNvPr>
+          <p:cNvSpPr txBox="1"/>
+          <p:nvPr/>
+        </p:nvSpPr>
+        <p:spPr>
+          <a:xfrm>
+            <a:off x="9544501" y="1292046"/>
+            <a:ext cx="1614545" cy="1015663"/>
+          </a:xfrm>
+          <a:prstGeom prst="rect">
+            <a:avLst/>
+          </a:prstGeom>
+          <a:noFill/>
+        </p:spPr>
+        <p:txBody>
+          <a:bodyPr wrap="none" rtlCol="0">
+            <a:spAutoFit/>
+          </a:bodyPr>
+          <a:lstStyle/>
+          <a:p>
+            <a:r>
+              <a:rPr lang="en-US" altLang="ko-KR" sz="6000" dirty="0">
+                <a:solidFill>
+                  <a:srgbClr val="FF0000"/>
+                </a:solidFill>
+              </a:rPr>
+              <a:t>App</a:t>
+            </a:r>
+            <a:endParaRPr lang="ko-KR" altLang="en-US" sz="6000" dirty="0">
+              <a:solidFill>
+                <a:srgbClr val="FF0000"/>
+              </a:solidFill>
+            </a:endParaRPr>
+          </a:p>
+        </p:txBody>
+      </p:sp>
+      <p:sp>
+        <p:nvSpPr>
+          <p:cNvPr id="15" name="직사각형 14">
+            <a:extLst>
+              <a:ext uri="{FF2B5EF4-FFF2-40B4-BE49-F238E27FC236}">
+                <a16:creationId xmlns:a16="http://schemas.microsoft.com/office/drawing/2014/main" id="{588B1CFE-7C5E-4D6E-A4A4-5F5E39AD8FB6}"/>
+              </a:ext>
+            </a:extLst>
+          </p:cNvPr>
+          <p:cNvSpPr/>
+          <p:nvPr/>
+        </p:nvSpPr>
+        <p:spPr>
+          <a:xfrm>
+            <a:off x="215871" y="2902994"/>
+            <a:ext cx="2470267" cy="897622"/>
+          </a:xfrm>
+          <a:prstGeom prst="rect">
+            <a:avLst/>
+          </a:prstGeom>
+          <a:noFill/>
+        </p:spPr>
+        <p:style>
+          <a:lnRef idx="2">
+            <a:schemeClr val="accent1">
+              <a:shade val="50000"/>
+            </a:schemeClr>
+          </a:lnRef>
+          <a:fillRef idx="1">
+            <a:schemeClr val="accent1"/>
+          </a:fillRef>
+          <a:effectRef idx="0">
+            <a:schemeClr val="accent1"/>
+          </a:effectRef>
+          <a:fontRef idx="minor">
+            <a:schemeClr val="lt1"/>
+          </a:fontRef>
+        </p:style>
+        <p:txBody>
+          <a:bodyPr rtlCol="0" anchor="ctr"/>
+          <a:lstStyle/>
+          <a:p>
+            <a:pPr algn="ctr"/>
+            <a:endParaRPr lang="ko-KR" altLang="en-US"/>
+          </a:p>
+        </p:txBody>
+      </p:sp>
+      <p:sp>
+        <p:nvSpPr>
+          <p:cNvPr id="17" name="직사각형 16">
+            <a:extLst>
+              <a:ext uri="{FF2B5EF4-FFF2-40B4-BE49-F238E27FC236}">
+                <a16:creationId xmlns:a16="http://schemas.microsoft.com/office/drawing/2014/main" id="{2E1D9C52-A11D-4B90-97CF-4469C10A54D7}"/>
+              </a:ext>
+            </a:extLst>
+          </p:cNvPr>
+          <p:cNvSpPr/>
+          <p:nvPr/>
+        </p:nvSpPr>
+        <p:spPr>
+          <a:xfrm>
+            <a:off x="3619078" y="1950424"/>
+            <a:ext cx="4576966" cy="3208805"/>
+          </a:xfrm>
+          <a:prstGeom prst="rect">
+            <a:avLst/>
+          </a:prstGeom>
+          <a:noFill/>
+        </p:spPr>
+        <p:style>
+          <a:lnRef idx="2">
+            <a:schemeClr val="accent1">
+              <a:shade val="50000"/>
+            </a:schemeClr>
+          </a:lnRef>
+          <a:fillRef idx="1">
+            <a:schemeClr val="accent1"/>
+          </a:fillRef>
+          <a:effectRef idx="0">
+            <a:schemeClr val="accent1"/>
+          </a:effectRef>
+          <a:fontRef idx="minor">
+            <a:schemeClr val="lt1"/>
+          </a:fontRef>
+        </p:style>
+        <p:txBody>
+          <a:bodyPr rtlCol="0" anchor="ctr"/>
+          <a:lstStyle/>
+          <a:p>
+            <a:pPr algn="ctr"/>
+            <a:endParaRPr lang="ko-KR" altLang="en-US"/>
+          </a:p>
+        </p:txBody>
+      </p:sp>
+      <p:sp>
+        <p:nvSpPr>
+          <p:cNvPr id="16" name="화살표: 오른쪽 15">
+            <a:extLst>
+              <a:ext uri="{FF2B5EF4-FFF2-40B4-BE49-F238E27FC236}">
+                <a16:creationId xmlns:a16="http://schemas.microsoft.com/office/drawing/2014/main" id="{E0C6BDA4-23EF-4255-8E5D-3C99F8DF5988}"/>
+              </a:ext>
+            </a:extLst>
+          </p:cNvPr>
+          <p:cNvSpPr/>
+          <p:nvPr/>
+        </p:nvSpPr>
+        <p:spPr>
+          <a:xfrm>
+            <a:off x="2860646" y="3229761"/>
+            <a:ext cx="570598" cy="318782"/>
+          </a:xfrm>
+          <a:prstGeom prst="rightArrow">
+            <a:avLst/>
+          </a:prstGeom>
+        </p:spPr>
+        <p:style>
+          <a:lnRef idx="2">
+            <a:schemeClr val="accent1">
+              <a:shade val="50000"/>
+            </a:schemeClr>
+          </a:lnRef>
+          <a:fillRef idx="1">
+            <a:schemeClr val="accent1"/>
+          </a:fillRef>
+          <a:effectRef idx="0">
+            <a:schemeClr val="accent1"/>
+          </a:effectRef>
+          <a:fontRef idx="minor">
+            <a:schemeClr val="lt1"/>
+          </a:fontRef>
+        </p:style>
+        <p:txBody>
+          <a:bodyPr rtlCol="0" anchor="ctr"/>
+          <a:lstStyle/>
+          <a:p>
+            <a:pPr algn="ctr"/>
+            <a:endParaRPr lang="ko-KR" altLang="en-US"/>
+          </a:p>
+        </p:txBody>
+      </p:sp>
+      <p:sp>
+        <p:nvSpPr>
+          <p:cNvPr id="19" name="화살표: 오른쪽 18">
+            <a:extLst>
+              <a:ext uri="{FF2B5EF4-FFF2-40B4-BE49-F238E27FC236}">
+                <a16:creationId xmlns:a16="http://schemas.microsoft.com/office/drawing/2014/main" id="{6E5748DD-F96D-4B96-9F54-0D8317FCE89F}"/>
+              </a:ext>
+            </a:extLst>
+          </p:cNvPr>
+          <p:cNvSpPr/>
+          <p:nvPr/>
+        </p:nvSpPr>
+        <p:spPr>
+          <a:xfrm>
+            <a:off x="8455643" y="3229761"/>
+            <a:ext cx="570598" cy="318782"/>
+          </a:xfrm>
+          <a:prstGeom prst="rightArrow">
+            <a:avLst/>
+          </a:prstGeom>
+        </p:spPr>
+        <p:style>
+          <a:lnRef idx="2">
+            <a:schemeClr val="accent1">
+              <a:shade val="50000"/>
+            </a:schemeClr>
+          </a:lnRef>
+          <a:fillRef idx="1">
+            <a:schemeClr val="accent1"/>
+          </a:fillRef>
+          <a:effectRef idx="0">
+            <a:schemeClr val="accent1"/>
+          </a:effectRef>
+          <a:fontRef idx="minor">
+            <a:schemeClr val="lt1"/>
+          </a:fontRef>
+        </p:style>
+        <p:txBody>
+          <a:bodyPr rtlCol="0" anchor="ctr"/>
+          <a:lstStyle/>
+          <a:p>
+            <a:pPr algn="ctr"/>
+            <a:endParaRPr lang="ko-KR" altLang="en-US"/>
+          </a:p>
+        </p:txBody>
+      </p:sp>
+    </p:spTree>
+    <p:extLst>
+      <p:ext uri="{BB962C8B-B14F-4D97-AF65-F5344CB8AC3E}">
+        <p14:creationId xmlns:p14="http://schemas.microsoft.com/office/powerpoint/2010/main" val="2941805299"/>
       </p:ext>
     </p:extLst>
   </p:cSld>
